--- a/Presentation/PCI DSS Requirement 6 Compliance Checker.pptx
+++ b/Presentation/PCI DSS Requirement 6 Compliance Checker.pptx
@@ -2579,7 +2579,7 @@
           <a:p>
             <a:fld id="{97AB3EA8-A58D-4C92-A3AB-D271CCC294C7}" type="datetimeFigureOut">
               <a:rPr lang="en-US" smtClean="0"/>
-              <a:t>12/28/2025</a:t>
+              <a:t>12/30/2025</a:t>
             </a:fld>
             <a:endParaRPr lang="en-US" dirty="0"/>
           </a:p>
@@ -2756,7 +2756,7 @@
           <a:p>
             <a:fld id="{0AEFB4FA-E877-413E-B608-88789D806C57}" type="datetimeFigureOut">
               <a:rPr lang="en-US" noProof="0" smtClean="0"/>
-              <a:t>12/28/2025</a:t>
+              <a:t>12/30/2025</a:t>
             </a:fld>
             <a:endParaRPr lang="en-US" noProof="0" dirty="0"/>
           </a:p>
@@ -9793,8 +9793,13 @@
           <a:p>
             <a:r>
               <a:rPr lang="en-US" dirty="0"/>
-              <a:t>Dual interface: CLI &amp; API</a:t>
-            </a:r>
+              <a:t>Dual interface: CLI &amp; API </a:t>
+            </a:r>
+            <a:r>
+              <a:rPr lang="en-US"/>
+              <a:t>and GUI</a:t>
+            </a:r>
+            <a:endParaRPr lang="en-US" dirty="0"/>
           </a:p>
           <a:p>
             <a:r>
@@ -12016,26 +12021,6 @@
 </file>
 
 <file path=customXml/item1.xml><?xml version="1.0" encoding="utf-8"?>
-<p:properties xmlns:p="http://schemas.microsoft.com/office/2006/metadata/properties" xmlns:xsi="http://www.w3.org/2001/XMLSchema-instance" xmlns:pc="http://schemas.microsoft.com/office/infopath/2007/PartnerControls">
-  <documentManagement>
-    <MediaServiceKeyPoints xmlns="71af3243-3dd4-4a8d-8c0d-dd76da1f02a5" xsi:nil="true"/>
-    <_ip_UnifiedCompliancePolicyUIAction xmlns="http://schemas.microsoft.com/sharepoint/v3" xsi:nil="true"/>
-    <Image xmlns="71af3243-3dd4-4a8d-8c0d-dd76da1f02a5">
-      <Url xsi:nil="true"/>
-      <Description xsi:nil="true"/>
-    </Image>
-    <Status xmlns="71af3243-3dd4-4a8d-8c0d-dd76da1f02a5">Not started</Status>
-    <Background xmlns="71af3243-3dd4-4a8d-8c0d-dd76da1f02a5">false</Background>
-    <_ip_UnifiedCompliancePolicyProperties xmlns="http://schemas.microsoft.com/sharepoint/v3" xsi:nil="true"/>
-    <ImageTagsTaxHTField xmlns="71af3243-3dd4-4a8d-8c0d-dd76da1f02a5">
-      <Terms xmlns="http://schemas.microsoft.com/office/infopath/2007/PartnerControls"/>
-    </ImageTagsTaxHTField>
-    <TaxCatchAll xmlns="230e9df3-be65-4c73-a93b-d1236ebd677e" xsi:nil="true"/>
-  </documentManagement>
-</p:properties>
-</file>
-
-<file path=customXml/item2.xml><?xml version="1.0" encoding="utf-8"?>
 <ct:contentTypeSchema xmlns:ct="http://schemas.microsoft.com/office/2006/metadata/contentType" xmlns:ma="http://schemas.microsoft.com/office/2006/metadata/properties/metaAttributes" ct:_="" ma:_="" ma:contentTypeName="Document" ma:contentTypeID="0x01010079F111ED35F8CC479449609E8A0923A6" ma:contentTypeVersion="29" ma:contentTypeDescription="Create a new document." ma:contentTypeScope="" ma:versionID="6a914531ae0f23be31da2eba1f3b42a9">
   <xsd:schema xmlns:xsd="http://www.w3.org/2001/XMLSchema" xmlns:xs="http://www.w3.org/2001/XMLSchema" xmlns:p="http://schemas.microsoft.com/office/2006/metadata/properties" xmlns:ns1="http://schemas.microsoft.com/sharepoint/v3" xmlns:ns2="71af3243-3dd4-4a8d-8c0d-dd76da1f02a5" xmlns:ns3="16c05727-aa75-4e4a-9b5f-8a80a1165891" xmlns:ns4="230e9df3-be65-4c73-a93b-d1236ebd677e" targetNamespace="http://schemas.microsoft.com/office/2006/metadata/properties" ma:root="true" ma:fieldsID="ae00154c9e66547f022c4923f88826d6" ns1:_="" ns2:_="" ns3:_="" ns4:_="">
     <xsd:import namespace="http://schemas.microsoft.com/sharepoint/v3"/>
@@ -12347,6 +12332,26 @@
 </ct:contentTypeSchema>
 </file>
 
+<file path=customXml/item2.xml><?xml version="1.0" encoding="utf-8"?>
+<p:properties xmlns:p="http://schemas.microsoft.com/office/2006/metadata/properties" xmlns:xsi="http://www.w3.org/2001/XMLSchema-instance" xmlns:pc="http://schemas.microsoft.com/office/infopath/2007/PartnerControls">
+  <documentManagement>
+    <MediaServiceKeyPoints xmlns="71af3243-3dd4-4a8d-8c0d-dd76da1f02a5" xsi:nil="true"/>
+    <_ip_UnifiedCompliancePolicyUIAction xmlns="http://schemas.microsoft.com/sharepoint/v3" xsi:nil="true"/>
+    <Image xmlns="71af3243-3dd4-4a8d-8c0d-dd76da1f02a5">
+      <Url xsi:nil="true"/>
+      <Description xsi:nil="true"/>
+    </Image>
+    <Status xmlns="71af3243-3dd4-4a8d-8c0d-dd76da1f02a5">Not started</Status>
+    <Background xmlns="71af3243-3dd4-4a8d-8c0d-dd76da1f02a5">false</Background>
+    <_ip_UnifiedCompliancePolicyProperties xmlns="http://schemas.microsoft.com/sharepoint/v3" xsi:nil="true"/>
+    <ImageTagsTaxHTField xmlns="71af3243-3dd4-4a8d-8c0d-dd76da1f02a5">
+      <Terms xmlns="http://schemas.microsoft.com/office/infopath/2007/PartnerControls"/>
+    </ImageTagsTaxHTField>
+    <TaxCatchAll xmlns="230e9df3-be65-4c73-a93b-d1236ebd677e" xsi:nil="true"/>
+  </documentManagement>
+</p:properties>
+</file>
+
 <file path=customXml/item3.xml><?xml version="1.0" encoding="utf-8"?>
 <?mso-contentType ?>
 <FormTemplates xmlns="http://schemas.microsoft.com/sharepoint/v3/contenttype/forms">
@@ -12357,18 +12362,6 @@
 </file>
 
 <file path=customXml/itemProps1.xml><?xml version="1.0" encoding="utf-8"?>
-<ds:datastoreItem xmlns:ds="http://schemas.openxmlformats.org/officeDocument/2006/customXml" ds:itemID="{CEA9B47F-3DD8-4645-81DC-B88780643C07}">
-  <ds:schemaRefs>
-    <ds:schemaRef ds:uri="http://schemas.microsoft.com/office/2006/metadata/properties"/>
-    <ds:schemaRef ds:uri="http://schemas.microsoft.com/office/infopath/2007/PartnerControls"/>
-    <ds:schemaRef ds:uri="71af3243-3dd4-4a8d-8c0d-dd76da1f02a5"/>
-    <ds:schemaRef ds:uri="http://schemas.microsoft.com/sharepoint/v3"/>
-    <ds:schemaRef ds:uri="230e9df3-be65-4c73-a93b-d1236ebd677e"/>
-  </ds:schemaRefs>
-</ds:datastoreItem>
-</file>
-
-<file path=customXml/itemProps2.xml><?xml version="1.0" encoding="utf-8"?>
 <ds:datastoreItem xmlns:ds="http://schemas.openxmlformats.org/officeDocument/2006/customXml" ds:itemID="{567F3CB5-3475-4129-AB60-D0C937DE910C}">
   <ds:schemaRefs>
     <ds:schemaRef ds:uri="http://schemas.microsoft.com/office/2006/metadata/contentType"/>
@@ -12389,6 +12382,18 @@
 </ds:datastoreItem>
 </file>
 
+<file path=customXml/itemProps2.xml><?xml version="1.0" encoding="utf-8"?>
+<ds:datastoreItem xmlns:ds="http://schemas.openxmlformats.org/officeDocument/2006/customXml" ds:itemID="{CEA9B47F-3DD8-4645-81DC-B88780643C07}">
+  <ds:schemaRefs>
+    <ds:schemaRef ds:uri="http://schemas.microsoft.com/office/2006/metadata/properties"/>
+    <ds:schemaRef ds:uri="http://schemas.microsoft.com/office/infopath/2007/PartnerControls"/>
+    <ds:schemaRef ds:uri="71af3243-3dd4-4a8d-8c0d-dd76da1f02a5"/>
+    <ds:schemaRef ds:uri="http://schemas.microsoft.com/sharepoint/v3"/>
+    <ds:schemaRef ds:uri="230e9df3-be65-4c73-a93b-d1236ebd677e"/>
+  </ds:schemaRefs>
+</ds:datastoreItem>
+</file>
+
 <file path=customXml/itemProps3.xml><?xml version="1.0" encoding="utf-8"?>
 <ds:datastoreItem xmlns:ds="http://schemas.openxmlformats.org/officeDocument/2006/customXml" ds:itemID="{B0C07E3D-60A7-4F4E-8208-D9CCD01982CB}">
   <ds:schemaRefs>
